--- a/Slide_master_16_9_option1.pptx
+++ b/Slide_master_16_9_option1.pptx
@@ -9,17 +9,18 @@
     <p:sldMasterId id="2147483709" r:id="rId8"/>
   </p:sldMasterIdLst>
   <p:notesMasterIdLst>
-    <p:notesMasterId r:id="rId14"/>
+    <p:notesMasterId r:id="rId15"/>
   </p:notesMasterIdLst>
   <p:handoutMasterIdLst>
-    <p:handoutMasterId r:id="rId15"/>
+    <p:handoutMasterId r:id="rId16"/>
   </p:handoutMasterIdLst>
   <p:sldIdLst>
     <p:sldId id="265" r:id="rId9"/>
     <p:sldId id="266" r:id="rId10"/>
-    <p:sldId id="267" r:id="rId11"/>
-    <p:sldId id="268" r:id="rId12"/>
-    <p:sldId id="269" r:id="rId13"/>
+    <p:sldId id="270" r:id="rId11"/>
+    <p:sldId id="271" r:id="rId12"/>
+    <p:sldId id="272" r:id="rId13"/>
+    <p:sldId id="269" r:id="rId14"/>
   </p:sldIdLst>
   <p:sldSz cx="10160000" cy="5715000"/>
   <p:notesSz cx="6858000" cy="9144000"/>
@@ -232,7 +233,7 @@
             <a:pPr algn="l"/>
             <a:fld id="{70DC3B59-BCDF-4256-A168-012A2AA16E32}" type="datetime1">
               <a:rPr lang="de-DE" sz="800" smtClean="0"/>
-              <a:t>02.02.20</a:t>
+              <a:t>03.02.20</a:t>
             </a:fld>
             <a:endParaRPr lang="en-US" sz="800"/>
           </a:p>
@@ -427,7 +428,7 @@
           <a:p>
             <a:fld id="{65612E96-A133-4402-AE1A-771A66978883}" type="datetime1">
               <a:rPr lang="de-DE" smtClean="0"/>
-              <a:t>02.02.20</a:t>
+              <a:t>03.02.20</a:t>
             </a:fld>
             <a:endParaRPr lang="en-US"/>
           </a:p>
@@ -1589,7 +1590,7 @@
           <a:p>
             <a:fld id="{D602445E-D5F4-224A-8BF6-0848935DA2DE}" type="datetimeFigureOut">
               <a:rPr lang="de-DE" smtClean="0"/>
-              <a:t>02.02.20</a:t>
+              <a:t>03.02.20</a:t>
             </a:fld>
             <a:endParaRPr lang="de-DE"/>
           </a:p>
@@ -1787,7 +1788,7 @@
           <a:p>
             <a:fld id="{D602445E-D5F4-224A-8BF6-0848935DA2DE}" type="datetimeFigureOut">
               <a:rPr lang="de-DE" smtClean="0"/>
-              <a:t>02.02.20</a:t>
+              <a:t>03.02.20</a:t>
             </a:fld>
             <a:endParaRPr lang="de-DE"/>
           </a:p>
@@ -2062,7 +2063,7 @@
           <a:p>
             <a:fld id="{D602445E-D5F4-224A-8BF6-0848935DA2DE}" type="datetimeFigureOut">
               <a:rPr lang="de-DE" smtClean="0"/>
-              <a:t>02.02.20</a:t>
+              <a:t>03.02.20</a:t>
             </a:fld>
             <a:endParaRPr lang="de-DE"/>
           </a:p>
@@ -2327,7 +2328,7 @@
           <a:p>
             <a:fld id="{D602445E-D5F4-224A-8BF6-0848935DA2DE}" type="datetimeFigureOut">
               <a:rPr lang="de-DE" smtClean="0"/>
-              <a:t>02.02.20</a:t>
+              <a:t>03.02.20</a:t>
             </a:fld>
             <a:endParaRPr lang="de-DE"/>
           </a:p>
@@ -2739,7 +2740,7 @@
           <a:p>
             <a:fld id="{D602445E-D5F4-224A-8BF6-0848935DA2DE}" type="datetimeFigureOut">
               <a:rPr lang="de-DE" smtClean="0"/>
-              <a:t>02.02.20</a:t>
+              <a:t>03.02.20</a:t>
             </a:fld>
             <a:endParaRPr lang="de-DE"/>
           </a:p>
@@ -2880,7 +2881,7 @@
           <a:p>
             <a:fld id="{D602445E-D5F4-224A-8BF6-0848935DA2DE}" type="datetimeFigureOut">
               <a:rPr lang="de-DE" smtClean="0"/>
-              <a:t>02.02.20</a:t>
+              <a:t>03.02.20</a:t>
             </a:fld>
             <a:endParaRPr lang="de-DE"/>
           </a:p>
@@ -2993,7 +2994,7 @@
           <a:p>
             <a:fld id="{D602445E-D5F4-224A-8BF6-0848935DA2DE}" type="datetimeFigureOut">
               <a:rPr lang="de-DE" smtClean="0"/>
-              <a:t>02.02.20</a:t>
+              <a:t>03.02.20</a:t>
             </a:fld>
             <a:endParaRPr lang="de-DE"/>
           </a:p>
@@ -3304,7 +3305,7 @@
           <a:p>
             <a:fld id="{D602445E-D5F4-224A-8BF6-0848935DA2DE}" type="datetimeFigureOut">
               <a:rPr lang="de-DE" smtClean="0"/>
-              <a:t>02.02.20</a:t>
+              <a:t>03.02.20</a:t>
             </a:fld>
             <a:endParaRPr lang="de-DE"/>
           </a:p>
@@ -3592,7 +3593,7 @@
           <a:p>
             <a:fld id="{D602445E-D5F4-224A-8BF6-0848935DA2DE}" type="datetimeFigureOut">
               <a:rPr lang="de-DE" smtClean="0"/>
-              <a:t>02.02.20</a:t>
+              <a:t>03.02.20</a:t>
             </a:fld>
             <a:endParaRPr lang="de-DE"/>
           </a:p>
@@ -3790,7 +3791,7 @@
           <a:p>
             <a:fld id="{D602445E-D5F4-224A-8BF6-0848935DA2DE}" type="datetimeFigureOut">
               <a:rPr lang="de-DE" smtClean="0"/>
-              <a:t>02.02.20</a:t>
+              <a:t>03.02.20</a:t>
             </a:fld>
             <a:endParaRPr lang="de-DE"/>
           </a:p>
@@ -4598,7 +4599,7 @@
           <a:p>
             <a:fld id="{D602445E-D5F4-224A-8BF6-0848935DA2DE}" type="datetimeFigureOut">
               <a:rPr lang="de-DE" smtClean="0"/>
-              <a:t>02.02.20</a:t>
+              <a:t>03.02.20</a:t>
             </a:fld>
             <a:endParaRPr lang="de-DE"/>
           </a:p>
@@ -26244,7 +26245,7 @@
           <a:p>
             <a:fld id="{D602445E-D5F4-224A-8BF6-0848935DA2DE}" type="datetimeFigureOut">
               <a:rPr lang="de-DE" smtClean="0"/>
-              <a:t>02.02.20</a:t>
+              <a:t>03.02.20</a:t>
             </a:fld>
             <a:endParaRPr lang="de-DE"/>
           </a:p>
@@ -28613,10 +28614,35 @@
       </p:grpSpPr>
       <p:sp>
         <p:nvSpPr>
-          <p:cNvPr id="2" name="Titel 1">
+          <p:cNvPr id="2" name="Textplatzhalter 1">
             <a:extLst>
               <a:ext uri="{FF2B5EF4-FFF2-40B4-BE49-F238E27FC236}">
-                <a16:creationId xmlns:a16="http://schemas.microsoft.com/office/drawing/2014/main" id="{ED6BE0FA-371A-8A42-A439-5EF502231E0F}"/>
+                <a16:creationId xmlns:a16="http://schemas.microsoft.com/office/drawing/2014/main" id="{1F67567A-BBA3-FC45-84F4-2AC7D41011E8}"/>
+              </a:ext>
+            </a:extLst>
+          </p:cNvPr>
+          <p:cNvSpPr>
+            <a:spLocks noGrp="1"/>
+          </p:cNvSpPr>
+          <p:nvPr>
+            <p:ph type="body" sz="quarter" idx="13"/>
+          </p:nvPr>
+        </p:nvSpPr>
+        <p:spPr/>
+        <p:txBody>
+          <a:bodyPr/>
+          <a:lstStyle/>
+          <a:p>
+            <a:endParaRPr lang="de-DE"/>
+          </a:p>
+        </p:txBody>
+      </p:sp>
+      <p:sp>
+        <p:nvSpPr>
+          <p:cNvPr id="3" name="Titel 2">
+            <a:extLst>
+              <a:ext uri="{FF2B5EF4-FFF2-40B4-BE49-F238E27FC236}">
+                <a16:creationId xmlns:a16="http://schemas.microsoft.com/office/drawing/2014/main" id="{67B52073-57EA-A04A-9D84-C91598F60AB4}"/>
               </a:ext>
             </a:extLst>
           </p:cNvPr>
@@ -28639,10 +28665,40 @@
           </a:p>
         </p:txBody>
       </p:sp>
+      <p:pic>
+        <p:nvPicPr>
+          <p:cNvPr id="7" name="Grafik 6" descr="Ein Bild, das Elektronik, Schaltkreis, Computer enthält.&#10;&#10;Automatisch generierte Beschreibung">
+            <a:extLst>
+              <a:ext uri="{FF2B5EF4-FFF2-40B4-BE49-F238E27FC236}">
+                <a16:creationId xmlns:a16="http://schemas.microsoft.com/office/drawing/2014/main" id="{39F0C12A-E2D3-1A40-85CB-4BE6EF2E7D3C}"/>
+              </a:ext>
+            </a:extLst>
+          </p:cNvPr>
+          <p:cNvPicPr>
+            <a:picLocks noChangeAspect="1"/>
+          </p:cNvPicPr>
+          <p:nvPr/>
+        </p:nvPicPr>
+        <p:blipFill>
+          <a:blip r:embed="rId2"/>
+          <a:stretch>
+            <a:fillRect/>
+          </a:stretch>
+        </p:blipFill>
+        <p:spPr>
+          <a:xfrm>
+            <a:off x="405551" y="677862"/>
+            <a:ext cx="9463826" cy="4359275"/>
+          </a:xfrm>
+          <a:prstGeom prst="rect">
+            <a:avLst/>
+          </a:prstGeom>
+        </p:spPr>
+      </p:pic>
     </p:spTree>
     <p:extLst>
       <p:ext uri="{BB962C8B-B14F-4D97-AF65-F5344CB8AC3E}">
-        <p14:creationId xmlns:p14="http://schemas.microsoft.com/office/powerpoint/2010/main" val="1326875333"/>
+        <p14:creationId xmlns:p14="http://schemas.microsoft.com/office/powerpoint/2010/main" val="4184676242"/>
       </p:ext>
     </p:extLst>
   </p:cSld>
@@ -28674,7 +28730,7 @@
           <p:cNvPr id="2" name="Textplatzhalter 1">
             <a:extLst>
               <a:ext uri="{FF2B5EF4-FFF2-40B4-BE49-F238E27FC236}">
-                <a16:creationId xmlns:a16="http://schemas.microsoft.com/office/drawing/2014/main" id="{566B0301-2D4F-EE43-AC45-2008B7B23085}"/>
+                <a16:creationId xmlns:a16="http://schemas.microsoft.com/office/drawing/2014/main" id="{7B4691DF-BEF8-AF44-AC7E-2932FFC4A301}"/>
               </a:ext>
             </a:extLst>
           </p:cNvPr>
@@ -28690,7 +28746,7 @@
           <a:bodyPr/>
           <a:lstStyle/>
           <a:p>
-            <a:endParaRPr lang="de-DE" dirty="0"/>
+            <a:endParaRPr lang="de-DE"/>
           </a:p>
         </p:txBody>
       </p:sp>
@@ -28699,7 +28755,7 @@
           <p:cNvPr id="3" name="Titel 2">
             <a:extLst>
               <a:ext uri="{FF2B5EF4-FFF2-40B4-BE49-F238E27FC236}">
-                <a16:creationId xmlns:a16="http://schemas.microsoft.com/office/drawing/2014/main" id="{B81047D9-318D-A84A-9CE5-A824832871FE}"/>
+                <a16:creationId xmlns:a16="http://schemas.microsoft.com/office/drawing/2014/main" id="{A53ADA0A-1FAF-B94A-BE90-D95304994F0D}"/>
               </a:ext>
             </a:extLst>
           </p:cNvPr>
@@ -28722,10 +28778,40 @@
           </a:p>
         </p:txBody>
       </p:sp>
+      <p:pic>
+        <p:nvPicPr>
+          <p:cNvPr id="5" name="Grafik 4" descr="Ein Bild, das Text, Karte enthält.&#10;&#10;Automatisch generierte Beschreibung">
+            <a:extLst>
+              <a:ext uri="{FF2B5EF4-FFF2-40B4-BE49-F238E27FC236}">
+                <a16:creationId xmlns:a16="http://schemas.microsoft.com/office/drawing/2014/main" id="{717BE62E-3FC8-AD4C-8D32-0B7EE853E061}"/>
+              </a:ext>
+            </a:extLst>
+          </p:cNvPr>
+          <p:cNvPicPr>
+            <a:picLocks noChangeAspect="1"/>
+          </p:cNvPicPr>
+          <p:nvPr/>
+        </p:nvPicPr>
+        <p:blipFill>
+          <a:blip r:embed="rId2"/>
+          <a:stretch>
+            <a:fillRect/>
+          </a:stretch>
+        </p:blipFill>
+        <p:spPr>
+          <a:xfrm>
+            <a:off x="679354" y="413341"/>
+            <a:ext cx="8561829" cy="4888317"/>
+          </a:xfrm>
+          <a:prstGeom prst="rect">
+            <a:avLst/>
+          </a:prstGeom>
+        </p:spPr>
+      </p:pic>
     </p:spTree>
     <p:extLst>
       <p:ext uri="{BB962C8B-B14F-4D97-AF65-F5344CB8AC3E}">
-        <p14:creationId xmlns:p14="http://schemas.microsoft.com/office/powerpoint/2010/main" val="2615808764"/>
+        <p14:creationId xmlns:p14="http://schemas.microsoft.com/office/powerpoint/2010/main" val="4004263115"/>
       </p:ext>
     </p:extLst>
   </p:cSld>
@@ -28736,6 +28822,149 @@
 </file>
 
 <file path=ppt/slides/slide5.xml><?xml version="1.0" encoding="utf-8"?>
+<p:sld xmlns:a="http://schemas.openxmlformats.org/drawingml/2006/main" xmlns:r="http://schemas.openxmlformats.org/officeDocument/2006/relationships" xmlns:p="http://schemas.openxmlformats.org/presentationml/2006/main">
+  <p:cSld>
+    <p:spTree>
+      <p:nvGrpSpPr>
+        <p:cNvPr id="1" name=""/>
+        <p:cNvGrpSpPr/>
+        <p:nvPr/>
+      </p:nvGrpSpPr>
+      <p:grpSpPr>
+        <a:xfrm>
+          <a:off x="0" y="0"/>
+          <a:ext cx="0" cy="0"/>
+          <a:chOff x="0" y="0"/>
+          <a:chExt cx="0" cy="0"/>
+        </a:xfrm>
+      </p:grpSpPr>
+      <p:sp>
+        <p:nvSpPr>
+          <p:cNvPr id="2" name="Textplatzhalter 1">
+            <a:extLst>
+              <a:ext uri="{FF2B5EF4-FFF2-40B4-BE49-F238E27FC236}">
+                <a16:creationId xmlns:a16="http://schemas.microsoft.com/office/drawing/2014/main" id="{DE8EC965-9D46-F146-9375-BA9152F2F497}"/>
+              </a:ext>
+            </a:extLst>
+          </p:cNvPr>
+          <p:cNvSpPr>
+            <a:spLocks noGrp="1"/>
+          </p:cNvSpPr>
+          <p:nvPr>
+            <p:ph type="body" sz="quarter" idx="13"/>
+          </p:nvPr>
+        </p:nvSpPr>
+        <p:spPr/>
+        <p:txBody>
+          <a:bodyPr/>
+          <a:lstStyle/>
+          <a:p>
+            <a:endParaRPr lang="de-DE"/>
+          </a:p>
+        </p:txBody>
+      </p:sp>
+      <p:sp>
+        <p:nvSpPr>
+          <p:cNvPr id="3" name="Titel 2">
+            <a:extLst>
+              <a:ext uri="{FF2B5EF4-FFF2-40B4-BE49-F238E27FC236}">
+                <a16:creationId xmlns:a16="http://schemas.microsoft.com/office/drawing/2014/main" id="{0A7E4BEE-05F6-7E42-BA5D-74864A6BD44F}"/>
+              </a:ext>
+            </a:extLst>
+          </p:cNvPr>
+          <p:cNvSpPr>
+            <a:spLocks noGrp="1"/>
+          </p:cNvSpPr>
+          <p:nvPr>
+            <p:ph type="title"/>
+          </p:nvPr>
+        </p:nvSpPr>
+        <p:spPr/>
+        <p:txBody>
+          <a:bodyPr/>
+          <a:lstStyle/>
+          <a:p>
+            <a:r>
+              <a:rPr lang="de-DE" dirty="0"/>
+              <a:t>Überspannungsschutz</a:t>
+            </a:r>
+          </a:p>
+        </p:txBody>
+      </p:sp>
+      <p:pic>
+        <p:nvPicPr>
+          <p:cNvPr id="11" name="Grafik 10">
+            <a:extLst>
+              <a:ext uri="{FF2B5EF4-FFF2-40B4-BE49-F238E27FC236}">
+                <a16:creationId xmlns:a16="http://schemas.microsoft.com/office/drawing/2014/main" id="{A42FAC50-2EC9-E74C-BA64-4CC07BD6CDD6}"/>
+              </a:ext>
+            </a:extLst>
+          </p:cNvPr>
+          <p:cNvPicPr>
+            <a:picLocks noChangeAspect="1"/>
+          </p:cNvPicPr>
+          <p:nvPr/>
+        </p:nvPicPr>
+        <p:blipFill>
+          <a:blip r:embed="rId2"/>
+          <a:stretch>
+            <a:fillRect/>
+          </a:stretch>
+        </p:blipFill>
+        <p:spPr>
+          <a:xfrm>
+            <a:off x="0" y="1657871"/>
+            <a:ext cx="4953457" cy="2399258"/>
+          </a:xfrm>
+          <a:prstGeom prst="rect">
+            <a:avLst/>
+          </a:prstGeom>
+        </p:spPr>
+      </p:pic>
+      <p:pic>
+        <p:nvPicPr>
+          <p:cNvPr id="13" name="Grafik 12" descr="Ein Bild, das Monitor, Bildschirm, Elektronik, drinnen enthält.&#10;&#10;Automatisch generierte Beschreibung">
+            <a:extLst>
+              <a:ext uri="{FF2B5EF4-FFF2-40B4-BE49-F238E27FC236}">
+                <a16:creationId xmlns:a16="http://schemas.microsoft.com/office/drawing/2014/main" id="{4F7257A9-5DC2-A24C-AB19-2018218951C5}"/>
+              </a:ext>
+            </a:extLst>
+          </p:cNvPr>
+          <p:cNvPicPr>
+            <a:picLocks noChangeAspect="1"/>
+          </p:cNvPicPr>
+          <p:nvPr/>
+        </p:nvPicPr>
+        <p:blipFill>
+          <a:blip r:embed="rId3"/>
+          <a:stretch>
+            <a:fillRect/>
+          </a:stretch>
+        </p:blipFill>
+        <p:spPr>
+          <a:xfrm>
+            <a:off x="5075274" y="1366630"/>
+            <a:ext cx="4990802" cy="2981739"/>
+          </a:xfrm>
+          <a:prstGeom prst="rect">
+            <a:avLst/>
+          </a:prstGeom>
+        </p:spPr>
+      </p:pic>
+    </p:spTree>
+    <p:extLst>
+      <p:ext uri="{BB962C8B-B14F-4D97-AF65-F5344CB8AC3E}">
+        <p14:creationId xmlns:p14="http://schemas.microsoft.com/office/powerpoint/2010/main" val="1132272611"/>
+      </p:ext>
+    </p:extLst>
+  </p:cSld>
+  <p:clrMapOvr>
+    <a:masterClrMapping/>
+  </p:clrMapOvr>
+</p:sld>
+</file>
+
+<file path=ppt/slides/slide6.xml><?xml version="1.0" encoding="utf-8"?>
 <p:sld xmlns:a="http://schemas.openxmlformats.org/drawingml/2006/main" xmlns:r="http://schemas.openxmlformats.org/officeDocument/2006/relationships" xmlns:p="http://schemas.openxmlformats.org/presentationml/2006/main">
   <p:cSld>
     <p:spTree>
@@ -30612,9 +30841,12 @@
 </file>
 
 <file path=customXml/item1.xml><?xml version="1.0" encoding="utf-8"?>
-<p:properties xmlns:p="http://schemas.microsoft.com/office/2006/metadata/properties" xmlns:xsi="http://www.w3.org/2001/XMLSchema-instance" xmlns:pc="http://schemas.microsoft.com/office/infopath/2007/PartnerControls">
-  <documentManagement/>
-</p:properties>
+<?mso-contentType ?>
+<FormTemplates xmlns="http://schemas.microsoft.com/sharepoint/v3/contenttype/forms">
+  <Display>DocumentLibraryForm</Display>
+  <Edit>DocumentLibraryForm</Edit>
+  <New>DocumentLibraryForm</New>
+</FormTemplates>
 </file>
 
 <file path=customXml/item2.xml><?xml version="1.0" encoding="utf-8"?>
@@ -30732,25 +30964,15 @@
 </file>
 
 <file path=customXml/item3.xml><?xml version="1.0" encoding="utf-8"?>
-<?mso-contentType ?>
-<FormTemplates xmlns="http://schemas.microsoft.com/sharepoint/v3/contenttype/forms">
-  <Display>DocumentLibraryForm</Display>
-  <Edit>DocumentLibraryForm</Edit>
-  <New>DocumentLibraryForm</New>
-</FormTemplates>
+<p:properties xmlns:p="http://schemas.microsoft.com/office/2006/metadata/properties" xmlns:xsi="http://www.w3.org/2001/XMLSchema-instance" xmlns:pc="http://schemas.microsoft.com/office/infopath/2007/PartnerControls">
+  <documentManagement/>
+</p:properties>
 </file>
 
 <file path=customXml/itemProps1.xml><?xml version="1.0" encoding="utf-8"?>
-<ds:datastoreItem xmlns:ds="http://schemas.openxmlformats.org/officeDocument/2006/customXml" ds:itemID="{0B00BDC8-6B68-4C60-95C0-EFD1603C8670}">
+<ds:datastoreItem xmlns:ds="http://schemas.openxmlformats.org/officeDocument/2006/customXml" ds:itemID="{E744DF36-50E7-4ABE-82F5-DD1A8C1CEB59}">
   <ds:schemaRefs>
-    <ds:schemaRef ds:uri="http://schemas.microsoft.com/office/infopath/2007/PartnerControls"/>
-    <ds:schemaRef ds:uri="http://purl.org/dc/terms/"/>
-    <ds:schemaRef ds:uri="http://purl.org/dc/dcmitype/"/>
-    <ds:schemaRef ds:uri="http://schemas.openxmlformats.org/package/2006/metadata/core-properties"/>
-    <ds:schemaRef ds:uri="http://schemas.microsoft.com/office/2006/metadata/properties"/>
-    <ds:schemaRef ds:uri="http://purl.org/dc/elements/1.1/"/>
-    <ds:schemaRef ds:uri="http://schemas.microsoft.com/office/2006/documentManagement/types"/>
-    <ds:schemaRef ds:uri="http://www.w3.org/XML/1998/namespace"/>
+    <ds:schemaRef ds:uri="http://schemas.microsoft.com/sharepoint/v3/contenttype/forms"/>
   </ds:schemaRefs>
 </ds:datastoreItem>
 </file>
@@ -30772,9 +30994,16 @@
 </file>
 
 <file path=customXml/itemProps3.xml><?xml version="1.0" encoding="utf-8"?>
-<ds:datastoreItem xmlns:ds="http://schemas.openxmlformats.org/officeDocument/2006/customXml" ds:itemID="{E744DF36-50E7-4ABE-82F5-DD1A8C1CEB59}">
+<ds:datastoreItem xmlns:ds="http://schemas.openxmlformats.org/officeDocument/2006/customXml" ds:itemID="{0B00BDC8-6B68-4C60-95C0-EFD1603C8670}">
   <ds:schemaRefs>
-    <ds:schemaRef ds:uri="http://schemas.microsoft.com/sharepoint/v3/contenttype/forms"/>
+    <ds:schemaRef ds:uri="http://schemas.microsoft.com/office/infopath/2007/PartnerControls"/>
+    <ds:schemaRef ds:uri="http://purl.org/dc/terms/"/>
+    <ds:schemaRef ds:uri="http://purl.org/dc/dcmitype/"/>
+    <ds:schemaRef ds:uri="http://schemas.openxmlformats.org/package/2006/metadata/core-properties"/>
+    <ds:schemaRef ds:uri="http://schemas.microsoft.com/office/2006/metadata/properties"/>
+    <ds:schemaRef ds:uri="http://purl.org/dc/elements/1.1/"/>
+    <ds:schemaRef ds:uri="http://schemas.microsoft.com/office/2006/documentManagement/types"/>
+    <ds:schemaRef ds:uri="http://www.w3.org/XML/1998/namespace"/>
   </ds:schemaRefs>
 </ds:datastoreItem>
 </file>